--- a/gouniversity.pptx
+++ b/gouniversity.pptx
@@ -7162,9 +7162,20 @@
           </a:bodyPr>
           <a:lstStyle/>
           <a:p>
+            <a:endParaRPr lang="en-US" sz="2400" dirty="0" smtClean="0"/>
+          </a:p>
+          <a:p>
             <a:r>
               <a:rPr lang="en-US" sz="2400" dirty="0" smtClean="0"/>
-              <a:t>TTS applications</a:t>
+              <a:t>The </a:t>
+            </a:r>
+            <a:r>
+              <a:rPr lang="en-US" sz="2400" dirty="0" smtClean="0"/>
+              <a:t>problem we’re trying to </a:t>
+            </a:r>
+            <a:r>
+              <a:rPr lang="en-US" sz="2400" dirty="0" smtClean="0"/>
+              <a:t>solve</a:t>
             </a:r>
           </a:p>
           <a:p>
@@ -7173,7 +7184,7 @@
           <a:p>
             <a:r>
               <a:rPr lang="en-US" sz="2400" dirty="0" smtClean="0"/>
-              <a:t>The problem we’re trying to solve</a:t>
+              <a:t>Possible solution</a:t>
             </a:r>
             <a:endParaRPr lang="en-US" sz="2400" dirty="0"/>
           </a:p>
@@ -9333,16 +9344,16 @@
               <a:t>: </a:t>
             </a:r>
             <a:r>
-              <a:rPr lang="de-DE" sz="1800" b="1" dirty="0" err="1" smtClean="0">
-                <a:sym typeface="Wingdings"/>
-              </a:rPr>
-              <a:t>February</a:t>
-            </a:r>
-            <a:r>
               <a:rPr lang="de-DE" sz="1800" b="1" dirty="0" smtClean="0">
                 <a:sym typeface="Wingdings"/>
               </a:rPr>
-              <a:t> 8th, 2017, 23:59:59 CET)</a:t>
+              <a:t>April 26th</a:t>
+            </a:r>
+            <a:r>
+              <a:rPr lang="de-DE" sz="1800" b="1" dirty="0" smtClean="0">
+                <a:sym typeface="Wingdings"/>
+              </a:rPr>
+              <a:t>, 2017, 23:59:59 CET)</a:t>
             </a:r>
           </a:p>
           <a:p>
@@ -9513,7 +9524,7 @@
               <a:rPr lang="de-DE" sz="1800" b="1" dirty="0" err="1" smtClean="0">
                 <a:sym typeface="Wingdings"/>
               </a:rPr>
-              <a:t>idioms</a:t>
+              <a:t>conventions</a:t>
             </a:r>
             <a:endParaRPr lang="de-DE" sz="1800" b="1" dirty="0" smtClean="0">
               <a:sym typeface="Wingdings"/>
